--- a/docs/deployment_guide/images/aws-utility-meter-data-analytics-platform-v2-architecture-diagram.pptx
+++ b/docs/deployment_guide/images/aws-utility-meter-data-analytics-platform-v2-architecture-diagram.pptx
@@ -338,7 +338,7 @@
           <a:p>
             <a:fld id="{21745634-6E8A-4E29-8E7D-0315C3B1E516}" type="datetimeFigureOut">
               <a:rPr lang="en-US" smtClean="0"/>
-              <a:t>2/22/2023</a:t>
+              <a:t>2/24/2023</a:t>
             </a:fld>
             <a:endParaRPr lang="en-US"/>
           </a:p>
@@ -508,7 +508,7 @@
           <a:p>
             <a:fld id="{21745634-6E8A-4E29-8E7D-0315C3B1E516}" type="datetimeFigureOut">
               <a:rPr lang="en-US" smtClean="0"/>
-              <a:t>2/22/2023</a:t>
+              <a:t>2/24/2023</a:t>
             </a:fld>
             <a:endParaRPr lang="en-US"/>
           </a:p>
@@ -688,7 +688,7 @@
           <a:p>
             <a:fld id="{21745634-6E8A-4E29-8E7D-0315C3B1E516}" type="datetimeFigureOut">
               <a:rPr lang="en-US" smtClean="0"/>
-              <a:t>2/22/2023</a:t>
+              <a:t>2/24/2023</a:t>
             </a:fld>
             <a:endParaRPr lang="en-US"/>
           </a:p>
@@ -858,7 +858,7 @@
           <a:p>
             <a:fld id="{21745634-6E8A-4E29-8E7D-0315C3B1E516}" type="datetimeFigureOut">
               <a:rPr lang="en-US" smtClean="0"/>
-              <a:t>2/22/2023</a:t>
+              <a:t>2/24/2023</a:t>
             </a:fld>
             <a:endParaRPr lang="en-US"/>
           </a:p>
@@ -1102,7 +1102,7 @@
           <a:p>
             <a:fld id="{21745634-6E8A-4E29-8E7D-0315C3B1E516}" type="datetimeFigureOut">
               <a:rPr lang="en-US" smtClean="0"/>
-              <a:t>2/22/2023</a:t>
+              <a:t>2/24/2023</a:t>
             </a:fld>
             <a:endParaRPr lang="en-US"/>
           </a:p>
@@ -1334,7 +1334,7 @@
           <a:p>
             <a:fld id="{21745634-6E8A-4E29-8E7D-0315C3B1E516}" type="datetimeFigureOut">
               <a:rPr lang="en-US" smtClean="0"/>
-              <a:t>2/22/2023</a:t>
+              <a:t>2/24/2023</a:t>
             </a:fld>
             <a:endParaRPr lang="en-US"/>
           </a:p>
@@ -1701,7 +1701,7 @@
           <a:p>
             <a:fld id="{21745634-6E8A-4E29-8E7D-0315C3B1E516}" type="datetimeFigureOut">
               <a:rPr lang="en-US" smtClean="0"/>
-              <a:t>2/22/2023</a:t>
+              <a:t>2/24/2023</a:t>
             </a:fld>
             <a:endParaRPr lang="en-US"/>
           </a:p>
@@ -1819,7 +1819,7 @@
           <a:p>
             <a:fld id="{21745634-6E8A-4E29-8E7D-0315C3B1E516}" type="datetimeFigureOut">
               <a:rPr lang="en-US" smtClean="0"/>
-              <a:t>2/22/2023</a:t>
+              <a:t>2/24/2023</a:t>
             </a:fld>
             <a:endParaRPr lang="en-US"/>
           </a:p>
@@ -1914,7 +1914,7 @@
           <a:p>
             <a:fld id="{21745634-6E8A-4E29-8E7D-0315C3B1E516}" type="datetimeFigureOut">
               <a:rPr lang="en-US" smtClean="0"/>
-              <a:t>2/22/2023</a:t>
+              <a:t>2/24/2023</a:t>
             </a:fld>
             <a:endParaRPr lang="en-US"/>
           </a:p>
@@ -2191,7 +2191,7 @@
           <a:p>
             <a:fld id="{21745634-6E8A-4E29-8E7D-0315C3B1E516}" type="datetimeFigureOut">
               <a:rPr lang="en-US" smtClean="0"/>
-              <a:t>2/22/2023</a:t>
+              <a:t>2/24/2023</a:t>
             </a:fld>
             <a:endParaRPr lang="en-US"/>
           </a:p>
@@ -2448,7 +2448,7 @@
           <a:p>
             <a:fld id="{21745634-6E8A-4E29-8E7D-0315C3B1E516}" type="datetimeFigureOut">
               <a:rPr lang="en-US" smtClean="0"/>
-              <a:t>2/22/2023</a:t>
+              <a:t>2/24/2023</a:t>
             </a:fld>
             <a:endParaRPr lang="en-US"/>
           </a:p>
@@ -2661,7 +2661,7 @@
           <a:p>
             <a:fld id="{21745634-6E8A-4E29-8E7D-0315C3B1E516}" type="datetimeFigureOut">
               <a:rPr lang="en-US" smtClean="0"/>
-              <a:t>2/22/2023</a:t>
+              <a:t>2/24/2023</a:t>
             </a:fld>
             <a:endParaRPr lang="en-US"/>
           </a:p>
@@ -12246,6 +12246,102 @@
       </p:grpSpPr>
       <p:sp>
         <p:nvSpPr>
+          <p:cNvPr id="38" name="Freeform 61">
+            <a:extLst>
+              <a:ext uri="{FF2B5EF4-FFF2-40B4-BE49-F238E27FC236}">
+                <a16:creationId xmlns:a16="http://schemas.microsoft.com/office/drawing/2014/main" id="{5E8009ED-1758-4466-986A-B892CC42637D}"/>
+              </a:ext>
+            </a:extLst>
+          </p:cNvPr>
+          <p:cNvSpPr/>
+          <p:nvPr/>
+        </p:nvSpPr>
+        <p:spPr>
+          <a:xfrm flipH="1" flipV="1">
+            <a:off x="2662055" y="3976219"/>
+            <a:ext cx="2236192" cy="764204"/>
+          </a:xfrm>
+          <a:custGeom>
+            <a:avLst/>
+            <a:gdLst>
+              <a:gd name="connsiteX0" fmla="*/ 1371600 w 1371600"/>
+              <a:gd name="connsiteY0" fmla="*/ 711200 h 711200"/>
+              <a:gd name="connsiteX1" fmla="*/ 1371600 w 1371600"/>
+              <a:gd name="connsiteY1" fmla="*/ 0 h 711200"/>
+              <a:gd name="connsiteX2" fmla="*/ 0 w 1371600"/>
+              <a:gd name="connsiteY2" fmla="*/ 0 h 711200"/>
+            </a:gdLst>
+            <a:ahLst/>
+            <a:cxnLst>
+              <a:cxn ang="0">
+                <a:pos x="connsiteX0" y="connsiteY0"/>
+              </a:cxn>
+              <a:cxn ang="0">
+                <a:pos x="connsiteX1" y="connsiteY1"/>
+              </a:cxn>
+              <a:cxn ang="0">
+                <a:pos x="connsiteX2" y="connsiteY2"/>
+              </a:cxn>
+            </a:cxnLst>
+            <a:rect l="l" t="t" r="r" b="b"/>
+            <a:pathLst>
+              <a:path w="1371600" h="711200">
+                <a:moveTo>
+                  <a:pt x="1371600" y="711200"/>
+                </a:moveTo>
+                <a:lnTo>
+                  <a:pt x="1371600" y="0"/>
+                </a:lnTo>
+                <a:lnTo>
+                  <a:pt x="0" y="0"/>
+                </a:lnTo>
+              </a:path>
+            </a:pathLst>
+          </a:custGeom>
+          <a:noFill/>
+          <a:ln w="12700">
+            <a:solidFill>
+              <a:schemeClr val="tx2"/>
+            </a:solidFill>
+            <a:headEnd type="none" w="med" len="sm"/>
+            <a:tailEnd type="arrow" w="med" len="sm"/>
+          </a:ln>
+        </p:spPr>
+        <p:style>
+          <a:lnRef idx="2">
+            <a:schemeClr val="accent1">
+              <a:shade val="50000"/>
+            </a:schemeClr>
+          </a:lnRef>
+          <a:fillRef idx="1">
+            <a:schemeClr val="accent1"/>
+          </a:fillRef>
+          <a:effectRef idx="0">
+            <a:schemeClr val="accent1"/>
+          </a:effectRef>
+          <a:fontRef idx="minor">
+            <a:schemeClr val="lt1"/>
+          </a:fontRef>
+        </p:style>
+        <p:txBody>
+          <a:bodyPr anchor="ctr"/>
+          <a:lstStyle/>
+          <a:p>
+            <a:pPr algn="ctr" eaLnBrk="1" fontAlgn="auto" hangingPunct="1">
+              <a:spcBef>
+                <a:spcPts val="0"/>
+              </a:spcBef>
+              <a:spcAft>
+                <a:spcPts val="0"/>
+              </a:spcAft>
+              <a:defRPr/>
+            </a:pPr>
+            <a:endParaRPr lang="en-US" dirty="0"/>
+          </a:p>
+        </p:txBody>
+      </p:sp>
+      <p:sp>
+        <p:nvSpPr>
           <p:cNvPr id="4" name="Rectangle 3">
             <a:extLst>
               <a:ext uri="{FF2B5EF4-FFF2-40B4-BE49-F238E27FC236}">
@@ -12365,7 +12461,7 @@
         </p:nvSpPr>
         <p:spPr bwMode="auto">
           <a:xfrm>
-            <a:off x="4451368" y="2948320"/>
+            <a:off x="4451368" y="2935620"/>
             <a:ext cx="1362074" cy="461665"/>
           </a:xfrm>
           <a:prstGeom prst="rect">
@@ -12539,7 +12635,7 @@
         </p:blipFill>
         <p:spPr bwMode="auto">
           <a:xfrm>
-            <a:off x="4903805" y="2505868"/>
+            <a:off x="4903805" y="2480556"/>
             <a:ext cx="457200" cy="457200"/>
           </a:xfrm>
           <a:prstGeom prst="rect">
@@ -14928,6 +15024,516 @@
             </a:solidFill>
             <a:headEnd type="none" w="med" len="sm"/>
             <a:tailEnd type="arrow" w="med" len="sm"/>
+          </a:ln>
+        </p:spPr>
+        <p:style>
+          <a:lnRef idx="1">
+            <a:schemeClr val="accent1"/>
+          </a:lnRef>
+          <a:fillRef idx="0">
+            <a:schemeClr val="accent1"/>
+          </a:fillRef>
+          <a:effectRef idx="0">
+            <a:schemeClr val="accent1"/>
+          </a:effectRef>
+          <a:fontRef idx="minor">
+            <a:schemeClr val="tx1"/>
+          </a:fontRef>
+        </p:style>
+      </p:cxnSp>
+      <p:cxnSp>
+        <p:nvCxnSpPr>
+          <p:cNvPr id="35" name="Straight Arrow Connector 34">
+            <a:extLst>
+              <a:ext uri="{FF2B5EF4-FFF2-40B4-BE49-F238E27FC236}">
+                <a16:creationId xmlns:a16="http://schemas.microsoft.com/office/drawing/2014/main" id="{6EF869E4-9AED-4E30-B153-76D539BFC58C}"/>
+              </a:ext>
+            </a:extLst>
+          </p:cNvPr>
+          <p:cNvCxnSpPr>
+            <a:cxnSpLocks/>
+            <a:stCxn id="39" idx="3"/>
+            <a:endCxn id="7" idx="1"/>
+          </p:cNvCxnSpPr>
+          <p:nvPr/>
+        </p:nvCxnSpPr>
+        <p:spPr>
+          <a:xfrm>
+            <a:off x="3346256" y="2709155"/>
+            <a:ext cx="1557549" cy="1"/>
+          </a:xfrm>
+          <a:prstGeom prst="straightConnector1">
+            <a:avLst/>
+          </a:prstGeom>
+          <a:ln w="12700">
+            <a:solidFill>
+              <a:schemeClr val="tx2"/>
+            </a:solidFill>
+            <a:headEnd type="arrow" w="med" len="sm"/>
+            <a:tailEnd type="none" w="med" len="sm"/>
+          </a:ln>
+        </p:spPr>
+        <p:style>
+          <a:lnRef idx="1">
+            <a:schemeClr val="accent1"/>
+          </a:lnRef>
+          <a:fillRef idx="0">
+            <a:schemeClr val="accent1"/>
+          </a:fillRef>
+          <a:effectRef idx="0">
+            <a:schemeClr val="accent1"/>
+          </a:effectRef>
+          <a:fontRef idx="minor">
+            <a:schemeClr val="tx1"/>
+          </a:fontRef>
+        </p:style>
+      </p:cxnSp>
+      <p:sp>
+        <p:nvSpPr>
+          <p:cNvPr id="25" name="Rectangle 24">
+            <a:extLst>
+              <a:ext uri="{FF2B5EF4-FFF2-40B4-BE49-F238E27FC236}">
+                <a16:creationId xmlns:a16="http://schemas.microsoft.com/office/drawing/2014/main" id="{109F92AC-D293-40DD-99E6-95FB004268D8}"/>
+              </a:ext>
+            </a:extLst>
+          </p:cNvPr>
+          <p:cNvSpPr/>
+          <p:nvPr/>
+        </p:nvSpPr>
+        <p:spPr>
+          <a:xfrm>
+            <a:off x="1984182" y="2467855"/>
+            <a:ext cx="1362074" cy="469900"/>
+          </a:xfrm>
+          <a:prstGeom prst="rect">
+            <a:avLst/>
+          </a:prstGeom>
+          <a:noFill/>
+          <a:ln>
+            <a:solidFill>
+              <a:schemeClr val="tx1"/>
+            </a:solidFill>
+          </a:ln>
+        </p:spPr>
+        <p:style>
+          <a:lnRef idx="2">
+            <a:schemeClr val="accent1">
+              <a:shade val="50000"/>
+            </a:schemeClr>
+          </a:lnRef>
+          <a:fillRef idx="1">
+            <a:schemeClr val="accent1"/>
+          </a:fillRef>
+          <a:effectRef idx="0">
+            <a:schemeClr val="accent1"/>
+          </a:effectRef>
+          <a:fontRef idx="minor">
+            <a:schemeClr val="lt1"/>
+          </a:fontRef>
+        </p:style>
+        <p:txBody>
+          <a:bodyPr rtlCol="0" anchor="ctr"/>
+          <a:lstStyle/>
+          <a:p>
+            <a:pPr algn="ctr"/>
+            <a:endParaRPr lang="en-US"/>
+          </a:p>
+        </p:txBody>
+      </p:sp>
+      <p:sp>
+        <p:nvSpPr>
+          <p:cNvPr id="39" name="TextBox 17">
+            <a:extLst>
+              <a:ext uri="{FF2B5EF4-FFF2-40B4-BE49-F238E27FC236}">
+                <a16:creationId xmlns:a16="http://schemas.microsoft.com/office/drawing/2014/main" id="{7CFD353E-F6A5-4A10-A13D-60FD04A22427}"/>
+              </a:ext>
+            </a:extLst>
+          </p:cNvPr>
+          <p:cNvSpPr txBox="1">
+            <a:spLocks noChangeArrowheads="1"/>
+          </p:cNvSpPr>
+          <p:nvPr/>
+        </p:nvSpPr>
+        <p:spPr bwMode="auto">
+          <a:xfrm>
+            <a:off x="1984182" y="2570655"/>
+            <a:ext cx="1362074" cy="276999"/>
+          </a:xfrm>
+          <a:prstGeom prst="rect">
+            <a:avLst/>
+          </a:prstGeom>
+          <a:noFill/>
+          <a:ln>
+            <a:noFill/>
+          </a:ln>
+          <a:extLst>
+            <a:ext uri="{909E8E84-426E-40DD-AFC4-6F175D3DCCD1}">
+              <a14:hiddenFill xmlns:a14="http://schemas.microsoft.com/office/drawing/2010/main">
+                <a:solidFill>
+                  <a:srgbClr val="FFFFFF"/>
+                </a:solidFill>
+              </a14:hiddenFill>
+            </a:ext>
+            <a:ext uri="{91240B29-F687-4F45-9708-019B960494DF}">
+              <a14:hiddenLine xmlns:a14="http://schemas.microsoft.com/office/drawing/2010/main" w="9525">
+                <a:solidFill>
+                  <a:srgbClr val="000000"/>
+                </a:solidFill>
+                <a:miter lim="800000"/>
+                <a:headEnd/>
+                <a:tailEnd/>
+              </a14:hiddenLine>
+            </a:ext>
+          </a:extLst>
+        </p:spPr>
+        <p:txBody>
+          <a:bodyPr wrap="square">
+            <a:spAutoFit/>
+          </a:bodyPr>
+          <a:lstStyle>
+            <a:lvl1pPr>
+              <a:defRPr>
+                <a:solidFill>
+                  <a:schemeClr val="tx1"/>
+                </a:solidFill>
+                <a:latin typeface="Calibri" panose="020F0502020204030204" pitchFamily="34" charset="0"/>
+              </a:defRPr>
+            </a:lvl1pPr>
+            <a:lvl2pPr marL="742950" indent="-285750">
+              <a:defRPr>
+                <a:solidFill>
+                  <a:schemeClr val="tx1"/>
+                </a:solidFill>
+                <a:latin typeface="Calibri" panose="020F0502020204030204" pitchFamily="34" charset="0"/>
+              </a:defRPr>
+            </a:lvl2pPr>
+            <a:lvl3pPr marL="1143000" indent="-228600">
+              <a:defRPr>
+                <a:solidFill>
+                  <a:schemeClr val="tx1"/>
+                </a:solidFill>
+                <a:latin typeface="Calibri" panose="020F0502020204030204" pitchFamily="34" charset="0"/>
+              </a:defRPr>
+            </a:lvl3pPr>
+            <a:lvl4pPr marL="1600200" indent="-228600">
+              <a:defRPr>
+                <a:solidFill>
+                  <a:schemeClr val="tx1"/>
+                </a:solidFill>
+                <a:latin typeface="Calibri" panose="020F0502020204030204" pitchFamily="34" charset="0"/>
+              </a:defRPr>
+            </a:lvl4pPr>
+            <a:lvl5pPr marL="2057400" indent="-228600">
+              <a:defRPr>
+                <a:solidFill>
+                  <a:schemeClr val="tx1"/>
+                </a:solidFill>
+                <a:latin typeface="Calibri" panose="020F0502020204030204" pitchFamily="34" charset="0"/>
+              </a:defRPr>
+            </a:lvl5pPr>
+            <a:lvl6pPr marL="2514600" indent="-228600" eaLnBrk="0" fontAlgn="base" hangingPunct="0">
+              <a:spcBef>
+                <a:spcPct val="0"/>
+              </a:spcBef>
+              <a:spcAft>
+                <a:spcPct val="0"/>
+              </a:spcAft>
+              <a:defRPr>
+                <a:solidFill>
+                  <a:schemeClr val="tx1"/>
+                </a:solidFill>
+                <a:latin typeface="Calibri" panose="020F0502020204030204" pitchFamily="34" charset="0"/>
+              </a:defRPr>
+            </a:lvl6pPr>
+            <a:lvl7pPr marL="2971800" indent="-228600" eaLnBrk="0" fontAlgn="base" hangingPunct="0">
+              <a:spcBef>
+                <a:spcPct val="0"/>
+              </a:spcBef>
+              <a:spcAft>
+                <a:spcPct val="0"/>
+              </a:spcAft>
+              <a:defRPr>
+                <a:solidFill>
+                  <a:schemeClr val="tx1"/>
+                </a:solidFill>
+                <a:latin typeface="Calibri" panose="020F0502020204030204" pitchFamily="34" charset="0"/>
+              </a:defRPr>
+            </a:lvl7pPr>
+            <a:lvl8pPr marL="3429000" indent="-228600" eaLnBrk="0" fontAlgn="base" hangingPunct="0">
+              <a:spcBef>
+                <a:spcPct val="0"/>
+              </a:spcBef>
+              <a:spcAft>
+                <a:spcPct val="0"/>
+              </a:spcAft>
+              <a:defRPr>
+                <a:solidFill>
+                  <a:schemeClr val="tx1"/>
+                </a:solidFill>
+                <a:latin typeface="Calibri" panose="020F0502020204030204" pitchFamily="34" charset="0"/>
+              </a:defRPr>
+            </a:lvl8pPr>
+            <a:lvl9pPr marL="3886200" indent="-228600" eaLnBrk="0" fontAlgn="base" hangingPunct="0">
+              <a:spcBef>
+                <a:spcPct val="0"/>
+              </a:spcBef>
+              <a:spcAft>
+                <a:spcPct val="0"/>
+              </a:spcAft>
+              <a:defRPr>
+                <a:solidFill>
+                  <a:schemeClr val="tx1"/>
+                </a:solidFill>
+                <a:latin typeface="Calibri" panose="020F0502020204030204" pitchFamily="34" charset="0"/>
+              </a:defRPr>
+            </a:lvl9pPr>
+          </a:lstStyle>
+          <a:p>
+            <a:pPr algn="ctr" eaLnBrk="1" hangingPunct="1"/>
+            <a:r>
+              <a:rPr lang="en-US" altLang="en-US" sz="1200" dirty="0">
+                <a:latin typeface="Arial" panose="020B0604020202020204" pitchFamily="34" charset="0"/>
+                <a:ea typeface="Amazon Ember" panose="020B0603020204020204" pitchFamily="34" charset="0"/>
+                <a:cs typeface="Arial" panose="020B0604020202020204" pitchFamily="34" charset="0"/>
+              </a:rPr>
+              <a:t>HES simulator</a:t>
+            </a:r>
+          </a:p>
+        </p:txBody>
+      </p:sp>
+      <p:sp>
+        <p:nvSpPr>
+          <p:cNvPr id="42" name="TextBox 17">
+            <a:extLst>
+              <a:ext uri="{FF2B5EF4-FFF2-40B4-BE49-F238E27FC236}">
+                <a16:creationId xmlns:a16="http://schemas.microsoft.com/office/drawing/2014/main" id="{8A09004A-E3F1-4B41-A6C8-8564748052AD}"/>
+              </a:ext>
+            </a:extLst>
+          </p:cNvPr>
+          <p:cNvSpPr txBox="1">
+            <a:spLocks noChangeArrowheads="1"/>
+          </p:cNvSpPr>
+          <p:nvPr/>
+        </p:nvSpPr>
+        <p:spPr bwMode="auto">
+          <a:xfrm>
+            <a:off x="1984182" y="3937394"/>
+            <a:ext cx="1362074" cy="276999"/>
+          </a:xfrm>
+          <a:prstGeom prst="rect">
+            <a:avLst/>
+          </a:prstGeom>
+          <a:solidFill>
+            <a:schemeClr val="bg1"/>
+          </a:solidFill>
+          <a:ln>
+            <a:noFill/>
+          </a:ln>
+          <a:extLst/>
+        </p:spPr>
+        <p:txBody>
+          <a:bodyPr wrap="square">
+            <a:spAutoFit/>
+          </a:bodyPr>
+          <a:lstStyle>
+            <a:lvl1pPr>
+              <a:defRPr>
+                <a:solidFill>
+                  <a:schemeClr val="tx1"/>
+                </a:solidFill>
+                <a:latin typeface="Calibri" panose="020F0502020204030204" pitchFamily="34" charset="0"/>
+              </a:defRPr>
+            </a:lvl1pPr>
+            <a:lvl2pPr marL="742950" indent="-285750">
+              <a:defRPr>
+                <a:solidFill>
+                  <a:schemeClr val="tx1"/>
+                </a:solidFill>
+                <a:latin typeface="Calibri" panose="020F0502020204030204" pitchFamily="34" charset="0"/>
+              </a:defRPr>
+            </a:lvl2pPr>
+            <a:lvl3pPr marL="1143000" indent="-228600">
+              <a:defRPr>
+                <a:solidFill>
+                  <a:schemeClr val="tx1"/>
+                </a:solidFill>
+                <a:latin typeface="Calibri" panose="020F0502020204030204" pitchFamily="34" charset="0"/>
+              </a:defRPr>
+            </a:lvl3pPr>
+            <a:lvl4pPr marL="1600200" indent="-228600">
+              <a:defRPr>
+                <a:solidFill>
+                  <a:schemeClr val="tx1"/>
+                </a:solidFill>
+                <a:latin typeface="Calibri" panose="020F0502020204030204" pitchFamily="34" charset="0"/>
+              </a:defRPr>
+            </a:lvl4pPr>
+            <a:lvl5pPr marL="2057400" indent="-228600">
+              <a:defRPr>
+                <a:solidFill>
+                  <a:schemeClr val="tx1"/>
+                </a:solidFill>
+                <a:latin typeface="Calibri" panose="020F0502020204030204" pitchFamily="34" charset="0"/>
+              </a:defRPr>
+            </a:lvl5pPr>
+            <a:lvl6pPr marL="2514600" indent="-228600" eaLnBrk="0" fontAlgn="base" hangingPunct="0">
+              <a:spcBef>
+                <a:spcPct val="0"/>
+              </a:spcBef>
+              <a:spcAft>
+                <a:spcPct val="0"/>
+              </a:spcAft>
+              <a:defRPr>
+                <a:solidFill>
+                  <a:schemeClr val="tx1"/>
+                </a:solidFill>
+                <a:latin typeface="Calibri" panose="020F0502020204030204" pitchFamily="34" charset="0"/>
+              </a:defRPr>
+            </a:lvl6pPr>
+            <a:lvl7pPr marL="2971800" indent="-228600" eaLnBrk="0" fontAlgn="base" hangingPunct="0">
+              <a:spcBef>
+                <a:spcPct val="0"/>
+              </a:spcBef>
+              <a:spcAft>
+                <a:spcPct val="0"/>
+              </a:spcAft>
+              <a:defRPr>
+                <a:solidFill>
+                  <a:schemeClr val="tx1"/>
+                </a:solidFill>
+                <a:latin typeface="Calibri" panose="020F0502020204030204" pitchFamily="34" charset="0"/>
+              </a:defRPr>
+            </a:lvl7pPr>
+            <a:lvl8pPr marL="3429000" indent="-228600" eaLnBrk="0" fontAlgn="base" hangingPunct="0">
+              <a:spcBef>
+                <a:spcPct val="0"/>
+              </a:spcBef>
+              <a:spcAft>
+                <a:spcPct val="0"/>
+              </a:spcAft>
+              <a:defRPr>
+                <a:solidFill>
+                  <a:schemeClr val="tx1"/>
+                </a:solidFill>
+                <a:latin typeface="Calibri" panose="020F0502020204030204" pitchFamily="34" charset="0"/>
+              </a:defRPr>
+            </a:lvl8pPr>
+            <a:lvl9pPr marL="3886200" indent="-228600" eaLnBrk="0" fontAlgn="base" hangingPunct="0">
+              <a:spcBef>
+                <a:spcPct val="0"/>
+              </a:spcBef>
+              <a:spcAft>
+                <a:spcPct val="0"/>
+              </a:spcAft>
+              <a:defRPr>
+                <a:solidFill>
+                  <a:schemeClr val="tx1"/>
+                </a:solidFill>
+                <a:latin typeface="Calibri" panose="020F0502020204030204" pitchFamily="34" charset="0"/>
+              </a:defRPr>
+            </a:lvl9pPr>
+          </a:lstStyle>
+          <a:p>
+            <a:pPr algn="ctr" eaLnBrk="1" hangingPunct="1"/>
+            <a:r>
+              <a:rPr lang="en-US" altLang="en-US" sz="1200" dirty="0">
+                <a:latin typeface="Arial" panose="020B0604020202020204" pitchFamily="34" charset="0"/>
+                <a:ea typeface="Amazon Ember" panose="020B0603020204020204" pitchFamily="34" charset="0"/>
+                <a:cs typeface="Arial" panose="020B0604020202020204" pitchFamily="34" charset="0"/>
+              </a:rPr>
+              <a:t>Meter reads file</a:t>
+            </a:r>
+          </a:p>
+        </p:txBody>
+      </p:sp>
+      <p:pic>
+        <p:nvPicPr>
+          <p:cNvPr id="44" name="Graphic 8">
+            <a:extLst>
+              <a:ext uri="{FF2B5EF4-FFF2-40B4-BE49-F238E27FC236}">
+                <a16:creationId xmlns:a16="http://schemas.microsoft.com/office/drawing/2014/main" id="{C8AC5CEE-090D-4A52-889B-064AECEBDBFB}"/>
+              </a:ext>
+            </a:extLst>
+          </p:cNvPr>
+          <p:cNvPicPr>
+            <a:picLocks noChangeAspect="1" noChangeArrowheads="1"/>
+          </p:cNvPicPr>
+          <p:nvPr/>
+        </p:nvPicPr>
+        <p:blipFill>
+          <a:blip r:embed="rId11">
+            <a:extLst>
+              <a:ext uri="{96DAC541-7B7A-43D3-8B79-37D633B846F1}">
+                <asvg:svgBlip xmlns:asvg="http://schemas.microsoft.com/office/drawing/2016/SVG/main" r:embed="rId12"/>
+              </a:ext>
+            </a:extLst>
+          </a:blip>
+          <a:srcRect/>
+          <a:stretch/>
+        </p:blipFill>
+        <p:spPr bwMode="auto">
+          <a:xfrm>
+            <a:off x="2427105" y="3494942"/>
+            <a:ext cx="469900" cy="469900"/>
+          </a:xfrm>
+          <a:prstGeom prst="rect">
+            <a:avLst/>
+          </a:prstGeom>
+          <a:noFill/>
+          <a:ln>
+            <a:noFill/>
+          </a:ln>
+          <a:extLst>
+            <a:ext uri="{909E8E84-426E-40DD-AFC4-6F175D3DCCD1}">
+              <a14:hiddenFill xmlns:a14="http://schemas.microsoft.com/office/drawing/2010/main">
+                <a:solidFill>
+                  <a:srgbClr val="FFFFFF"/>
+                </a:solidFill>
+              </a14:hiddenFill>
+            </a:ext>
+            <a:ext uri="{91240B29-F687-4F45-9708-019B960494DF}">
+              <a14:hiddenLine xmlns:a14="http://schemas.microsoft.com/office/drawing/2010/main" w="9525">
+                <a:solidFill>
+                  <a:srgbClr val="000000"/>
+                </a:solidFill>
+                <a:miter lim="800000"/>
+                <a:headEnd/>
+                <a:tailEnd/>
+              </a14:hiddenLine>
+            </a:ext>
+          </a:extLst>
+        </p:spPr>
+      </p:pic>
+      <p:cxnSp>
+        <p:nvCxnSpPr>
+          <p:cNvPr id="45" name="Straight Arrow Connector 44">
+            <a:extLst>
+              <a:ext uri="{FF2B5EF4-FFF2-40B4-BE49-F238E27FC236}">
+                <a16:creationId xmlns:a16="http://schemas.microsoft.com/office/drawing/2014/main" id="{D65A2CA4-4F0B-4C14-9F22-85CD82C55483}"/>
+              </a:ext>
+            </a:extLst>
+          </p:cNvPr>
+          <p:cNvCxnSpPr>
+            <a:cxnSpLocks/>
+            <a:stCxn id="44" idx="0"/>
+            <a:endCxn id="25" idx="2"/>
+          </p:cNvCxnSpPr>
+          <p:nvPr/>
+        </p:nvCxnSpPr>
+        <p:spPr>
+          <a:xfrm flipV="1">
+            <a:off x="2662055" y="2937755"/>
+            <a:ext cx="3164" cy="557187"/>
+          </a:xfrm>
+          <a:prstGeom prst="straightConnector1">
+            <a:avLst/>
+          </a:prstGeom>
+          <a:ln w="12700">
+            <a:solidFill>
+              <a:schemeClr val="tx2"/>
+            </a:solidFill>
+            <a:headEnd type="arrow" w="med" len="sm"/>
+            <a:tailEnd type="none" w="med" len="sm"/>
           </a:ln>
         </p:spPr>
         <p:style>

--- a/docs/deployment_guide/images/aws-utility-meter-data-analytics-platform-v2-architecture-diagram.pptx
+++ b/docs/deployment_guide/images/aws-utility-meter-data-analytics-platform-v2-architecture-diagram.pptx
@@ -15903,7 +15903,7 @@
                 <a:latin typeface="Arial" panose="020B0604020202020204" pitchFamily="34" charset="0"/>
                 <a:cs typeface="Arial" panose="020B0604020202020204" pitchFamily="34" charset="0"/>
               </a:rPr>
-              <a:t>External database</a:t>
+              <a:t>External data source</a:t>
             </a:r>
           </a:p>
         </p:txBody>
